--- a/Whiteboard design session/WDS trainer presentation - Title xxx.pptx
+++ b/Whiteboard design session/WDS trainer presentation - Title xxx.pptx
@@ -231,7 +231,7 @@
           <a:p>
             <a:fld id="{52A13B17-C506-4D51-BB37-16B365906619}" type="datetimeFigureOut">
               <a:rPr lang="en-US" smtClean="0"/>
-              <a:t>6/29/2018</a:t>
+              <a:t>2/19/2019</a:t>
             </a:fld>
             <a:endParaRPr lang="en-US"/>
           </a:p>
@@ -1253,7 +1253,7 @@
                   <a:prstClr val="black"/>
                 </a:solidFill>
               </a:rPr>
-              <a:t>6/29/2018 12:56 PM</a:t>
+              <a:t>2/19/2019 9:56 PM</a:t>
             </a:fld>
             <a:endParaRPr lang="en-US" dirty="0">
               <a:solidFill>
@@ -1500,7 +1500,7 @@
           <a:p>
             <a:fld id="{328EAAE8-B538-48EB-83B5-2B364220CC89}" type="datetime8">
               <a:rPr lang="en-US" smtClean="0"/>
-              <a:t>6/29/2018 12:56 PM</a:t>
+              <a:t>2/19/2019 9:56 PM</a:t>
             </a:fld>
             <a:endParaRPr lang="en-US" dirty="0"/>
           </a:p>
@@ -1632,7 +1632,7 @@
           <a:p>
             <a:fld id="{5A70A388-5CB4-42F2-85B9-1AE1F63398FA}" type="datetime8">
               <a:rPr lang="en-US" smtClean="0"/>
-              <a:t>6/29/2018 12:56 PM</a:t>
+              <a:t>2/19/2019 9:56 PM</a:t>
             </a:fld>
             <a:endParaRPr lang="en-US" dirty="0"/>
           </a:p>
@@ -1815,7 +1815,7 @@
           <a:p>
             <a:fld id="{6939CF7E-134C-4B4A-9853-17D7568CBCC2}" type="datetime8">
               <a:rPr lang="en-US" smtClean="0"/>
-              <a:t>6/29/2018 12:56 PM</a:t>
+              <a:t>2/19/2019 9:56 PM</a:t>
             </a:fld>
             <a:endParaRPr lang="en-US" dirty="0"/>
           </a:p>
@@ -2221,7 +2221,7 @@
           <a:p>
             <a:fld id="{B76134C8-AC9E-49DD-B3D6-722B1A93F18D}" type="datetime8">
               <a:rPr lang="en-US" smtClean="0"/>
-              <a:t>6/29/2018 12:56 PM</a:t>
+              <a:t>2/19/2019 9:56 PM</a:t>
             </a:fld>
             <a:endParaRPr lang="en-US" dirty="0"/>
           </a:p>
@@ -2402,7 +2402,7 @@
           <a:p>
             <a:fld id="{34FAA446-E61B-4D43-A3B1-7749AA6DC131}" type="datetime8">
               <a:rPr lang="en-US" smtClean="0"/>
-              <a:t>6/29/2018 12:56 PM</a:t>
+              <a:t>2/19/2019 9:56 PM</a:t>
             </a:fld>
             <a:endParaRPr lang="en-US" dirty="0"/>
           </a:p>
@@ -2583,7 +2583,7 @@
           <a:p>
             <a:fld id="{F86059B6-667D-4F24-AA48-46C1EA5D9E8E}" type="datetime8">
               <a:rPr lang="en-US" smtClean="0"/>
-              <a:t>6/29/2018 12:56 PM</a:t>
+              <a:t>2/19/2019 9:56 PM</a:t>
             </a:fld>
             <a:endParaRPr lang="en-US" dirty="0"/>
           </a:p>
@@ -2764,7 +2764,7 @@
           <a:p>
             <a:fld id="{35A2D088-BDBD-41A5-ADCE-5C6A4DC08057}" type="datetime8">
               <a:rPr lang="en-US" smtClean="0"/>
-              <a:t>6/29/2018 12:56 PM</a:t>
+              <a:t>2/19/2019 9:56 PM</a:t>
             </a:fld>
             <a:endParaRPr lang="en-US" dirty="0"/>
           </a:p>
@@ -2896,7 +2896,7 @@
           <a:p>
             <a:fld id="{174E4CE6-2FE4-433F-87B8-CB5DD266EBFC}" type="datetime8">
               <a:rPr lang="en-US" smtClean="0"/>
-              <a:t>6/29/2018 12:56 PM</a:t>
+              <a:t>2/19/2019 9:56 PM</a:t>
             </a:fld>
             <a:endParaRPr lang="en-US" dirty="0"/>
           </a:p>
@@ -3095,7 +3095,7 @@
                   <a:prstClr val="black"/>
                 </a:solidFill>
               </a:rPr>
-              <a:t>6/29/2018 12:56 PM</a:t>
+              <a:t>2/19/2019 9:56 PM</a:t>
             </a:fld>
             <a:endParaRPr lang="en-US" dirty="0">
               <a:solidFill>
@@ -29053,12 +29053,12 @@
 </file>
 
 <file path=customXml/item1.xml><?xml version="1.0" encoding="utf-8"?>
-<p:properties xmlns:p="http://schemas.microsoft.com/office/2006/metadata/properties" xmlns:xsi="http://www.w3.org/2001/XMLSchema-instance" xmlns:pc="http://schemas.microsoft.com/office/infopath/2007/PartnerControls">
-  <documentManagement>
-    <_ip_UnifiedCompliancePolicyUIAction xmlns="http://schemas.microsoft.com/sharepoint/v3" xsi:nil="true"/>
-    <_ip_UnifiedCompliancePolicyProperties xmlns="http://schemas.microsoft.com/sharepoint/v3" xsi:nil="true"/>
-  </documentManagement>
-</p:properties>
+<?mso-contentType ?>
+<FormTemplates xmlns="http://schemas.microsoft.com/sharepoint/v3/contenttype/forms">
+  <Display>DocumentLibraryForm</Display>
+  <Edit>DocumentLibraryForm</Edit>
+  <New>DocumentLibraryForm</New>
+</FormTemplates>
 </file>
 
 <file path=customXml/item2.xml><?xml version="1.0" encoding="utf-8"?>
@@ -29264,28 +29264,18 @@
 </file>
 
 <file path=customXml/item3.xml><?xml version="1.0" encoding="utf-8"?>
-<?mso-contentType ?>
-<FormTemplates xmlns="http://schemas.microsoft.com/sharepoint/v3/contenttype/forms">
-  <Display>DocumentLibraryForm</Display>
-  <Edit>DocumentLibraryForm</Edit>
-  <New>DocumentLibraryForm</New>
-</FormTemplates>
+<p:properties xmlns:p="http://schemas.microsoft.com/office/2006/metadata/properties" xmlns:xsi="http://www.w3.org/2001/XMLSchema-instance" xmlns:pc="http://schemas.microsoft.com/office/infopath/2007/PartnerControls">
+  <documentManagement>
+    <_ip_UnifiedCompliancePolicyUIAction xmlns="http://schemas.microsoft.com/sharepoint/v3" xsi:nil="true"/>
+    <_ip_UnifiedCompliancePolicyProperties xmlns="http://schemas.microsoft.com/sharepoint/v3" xsi:nil="true"/>
+  </documentManagement>
+</p:properties>
 </file>
 
 <file path=customXml/itemProps1.xml><?xml version="1.0" encoding="utf-8"?>
-<ds:datastoreItem xmlns:ds="http://schemas.openxmlformats.org/officeDocument/2006/customXml" ds:itemID="{BAF7D529-36AB-45DA-B239-2F912F2D1610}">
+<ds:datastoreItem xmlns:ds="http://schemas.openxmlformats.org/officeDocument/2006/customXml" ds:itemID="{F18501AF-04CF-4482-BAE1-607B49DDC378}">
   <ds:schemaRefs>
-    <ds:schemaRef ds:uri="http://purl.org/dc/elements/1.1/"/>
-    <ds:schemaRef ds:uri="http://schemas.microsoft.com/office/2006/metadata/properties"/>
-    <ds:schemaRef ds:uri="http://purl.org/dc/terms/"/>
-    <ds:schemaRef ds:uri="http://schemas.microsoft.com/office/infopath/2007/PartnerControls"/>
-    <ds:schemaRef ds:uri="http://purl.org/dc/dcmitype/"/>
-    <ds:schemaRef ds:uri="http://schemas.openxmlformats.org/package/2006/metadata/core-properties"/>
-    <ds:schemaRef ds:uri="http://schemas.microsoft.com/office/2006/documentManagement/types"/>
-    <ds:schemaRef ds:uri="d9c797ad-d7c3-4982-82b7-81352a75e4a5"/>
-    <ds:schemaRef ds:uri="2023ac63-7b75-4916-a9ee-591457758eee"/>
-    <ds:schemaRef ds:uri="http://schemas.microsoft.com/sharepoint/v3"/>
-    <ds:schemaRef ds:uri="http://www.w3.org/XML/1998/namespace"/>
+    <ds:schemaRef ds:uri="http://schemas.microsoft.com/sharepoint/v3/contenttype/forms"/>
   </ds:schemaRefs>
 </ds:datastoreItem>
 </file>
@@ -29311,9 +29301,19 @@
 </file>
 
 <file path=customXml/itemProps3.xml><?xml version="1.0" encoding="utf-8"?>
-<ds:datastoreItem xmlns:ds="http://schemas.openxmlformats.org/officeDocument/2006/customXml" ds:itemID="{F18501AF-04CF-4482-BAE1-607B49DDC378}">
+<ds:datastoreItem xmlns:ds="http://schemas.openxmlformats.org/officeDocument/2006/customXml" ds:itemID="{BAF7D529-36AB-45DA-B239-2F912F2D1610}">
   <ds:schemaRefs>
-    <ds:schemaRef ds:uri="http://schemas.microsoft.com/sharepoint/v3/contenttype/forms"/>
+    <ds:schemaRef ds:uri="http://purl.org/dc/elements/1.1/"/>
+    <ds:schemaRef ds:uri="http://schemas.microsoft.com/office/2006/metadata/properties"/>
+    <ds:schemaRef ds:uri="http://purl.org/dc/terms/"/>
+    <ds:schemaRef ds:uri="http://schemas.microsoft.com/office/infopath/2007/PartnerControls"/>
+    <ds:schemaRef ds:uri="http://purl.org/dc/dcmitype/"/>
+    <ds:schemaRef ds:uri="http://schemas.openxmlformats.org/package/2006/metadata/core-properties"/>
+    <ds:schemaRef ds:uri="http://schemas.microsoft.com/office/2006/documentManagement/types"/>
+    <ds:schemaRef ds:uri="d9c797ad-d7c3-4982-82b7-81352a75e4a5"/>
+    <ds:schemaRef ds:uri="2023ac63-7b75-4916-a9ee-591457758eee"/>
+    <ds:schemaRef ds:uri="http://schemas.microsoft.com/sharepoint/v3"/>
+    <ds:schemaRef ds:uri="http://www.w3.org/XML/1998/namespace"/>
   </ds:schemaRefs>
 </ds:datastoreItem>
 </file>